--- a/Power Point/Apresentação.pptx
+++ b/Power Point/Apresentação.pptx
@@ -8,9 +8,11 @@
     <p:sldId id="256" r:id="rId2"/>
     <p:sldId id="258" r:id="rId3"/>
     <p:sldId id="262" r:id="rId4"/>
-    <p:sldId id="263" r:id="rId5"/>
-    <p:sldId id="259" r:id="rId6"/>
-    <p:sldId id="260" r:id="rId7"/>
+    <p:sldId id="265" r:id="rId5"/>
+    <p:sldId id="263" r:id="rId6"/>
+    <p:sldId id="259" r:id="rId7"/>
+    <p:sldId id="260" r:id="rId8"/>
+    <p:sldId id="264" r:id="rId9"/>
   </p:sldIdLst>
   <p:sldSz cx="12192000" cy="6858000"/>
   <p:notesSz cx="6858000" cy="9144000"/>
@@ -264,7 +266,7 @@
           <a:p>
             <a:fld id="{2604CB93-D4AC-4686-B1BD-A0F767D1F570}" type="datetimeFigureOut">
               <a:rPr lang="pt-BR" smtClean="0"/>
-              <a:t>29/11/2022</a:t>
+              <a:t>30/11/2022</a:t>
             </a:fld>
             <a:endParaRPr lang="pt-BR"/>
           </a:p>
@@ -462,7 +464,7 @@
           <a:p>
             <a:fld id="{2604CB93-D4AC-4686-B1BD-A0F767D1F570}" type="datetimeFigureOut">
               <a:rPr lang="pt-BR" smtClean="0"/>
-              <a:t>29/11/2022</a:t>
+              <a:t>30/11/2022</a:t>
             </a:fld>
             <a:endParaRPr lang="pt-BR"/>
           </a:p>
@@ -670,7 +672,7 @@
           <a:p>
             <a:fld id="{2604CB93-D4AC-4686-B1BD-A0F767D1F570}" type="datetimeFigureOut">
               <a:rPr lang="pt-BR" smtClean="0"/>
-              <a:t>29/11/2022</a:t>
+              <a:t>30/11/2022</a:t>
             </a:fld>
             <a:endParaRPr lang="pt-BR"/>
           </a:p>
@@ -868,7 +870,7 @@
           <a:p>
             <a:fld id="{2604CB93-D4AC-4686-B1BD-A0F767D1F570}" type="datetimeFigureOut">
               <a:rPr lang="pt-BR" smtClean="0"/>
-              <a:t>29/11/2022</a:t>
+              <a:t>30/11/2022</a:t>
             </a:fld>
             <a:endParaRPr lang="pt-BR"/>
           </a:p>
@@ -1143,7 +1145,7 @@
           <a:p>
             <a:fld id="{2604CB93-D4AC-4686-B1BD-A0F767D1F570}" type="datetimeFigureOut">
               <a:rPr lang="pt-BR" smtClean="0"/>
-              <a:t>29/11/2022</a:t>
+              <a:t>30/11/2022</a:t>
             </a:fld>
             <a:endParaRPr lang="pt-BR"/>
           </a:p>
@@ -1408,7 +1410,7 @@
           <a:p>
             <a:fld id="{2604CB93-D4AC-4686-B1BD-A0F767D1F570}" type="datetimeFigureOut">
               <a:rPr lang="pt-BR" smtClean="0"/>
-              <a:t>29/11/2022</a:t>
+              <a:t>30/11/2022</a:t>
             </a:fld>
             <a:endParaRPr lang="pt-BR"/>
           </a:p>
@@ -1820,7 +1822,7 @@
           <a:p>
             <a:fld id="{2604CB93-D4AC-4686-B1BD-A0F767D1F570}" type="datetimeFigureOut">
               <a:rPr lang="pt-BR" smtClean="0"/>
-              <a:t>29/11/2022</a:t>
+              <a:t>30/11/2022</a:t>
             </a:fld>
             <a:endParaRPr lang="pt-BR"/>
           </a:p>
@@ -1961,7 +1963,7 @@
           <a:p>
             <a:fld id="{2604CB93-D4AC-4686-B1BD-A0F767D1F570}" type="datetimeFigureOut">
               <a:rPr lang="pt-BR" smtClean="0"/>
-              <a:t>29/11/2022</a:t>
+              <a:t>30/11/2022</a:t>
             </a:fld>
             <a:endParaRPr lang="pt-BR"/>
           </a:p>
@@ -2074,7 +2076,7 @@
           <a:p>
             <a:fld id="{2604CB93-D4AC-4686-B1BD-A0F767D1F570}" type="datetimeFigureOut">
               <a:rPr lang="pt-BR" smtClean="0"/>
-              <a:t>29/11/2022</a:t>
+              <a:t>30/11/2022</a:t>
             </a:fld>
             <a:endParaRPr lang="pt-BR"/>
           </a:p>
@@ -2385,7 +2387,7 @@
           <a:p>
             <a:fld id="{2604CB93-D4AC-4686-B1BD-A0F767D1F570}" type="datetimeFigureOut">
               <a:rPr lang="pt-BR" smtClean="0"/>
-              <a:t>29/11/2022</a:t>
+              <a:t>30/11/2022</a:t>
             </a:fld>
             <a:endParaRPr lang="pt-BR"/>
           </a:p>
@@ -2673,7 +2675,7 @@
           <a:p>
             <a:fld id="{2604CB93-D4AC-4686-B1BD-A0F767D1F570}" type="datetimeFigureOut">
               <a:rPr lang="pt-BR" smtClean="0"/>
-              <a:t>29/11/2022</a:t>
+              <a:t>30/11/2022</a:t>
             </a:fld>
             <a:endParaRPr lang="pt-BR"/>
           </a:p>
@@ -2914,7 +2916,7 @@
           <a:p>
             <a:fld id="{2604CB93-D4AC-4686-B1BD-A0F767D1F570}" type="datetimeFigureOut">
               <a:rPr lang="pt-BR" smtClean="0"/>
-              <a:t>29/11/2022</a:t>
+              <a:t>30/11/2022</a:t>
             </a:fld>
             <a:endParaRPr lang="pt-BR"/>
           </a:p>
@@ -3849,36 +3851,6 @@
           </a:p>
         </p:txBody>
       </p:sp>
-      <p:pic>
-        <p:nvPicPr>
-          <p:cNvPr id="7" name="Imagem 6">
-            <a:extLst>
-              <a:ext uri="{FF2B5EF4-FFF2-40B4-BE49-F238E27FC236}">
-                <a16:creationId xmlns:a16="http://schemas.microsoft.com/office/drawing/2014/main" id="{5712D709-EA0F-CCB1-0079-BE3778282F72}"/>
-              </a:ext>
-            </a:extLst>
-          </p:cNvPr>
-          <p:cNvPicPr>
-            <a:picLocks noChangeAspect="1"/>
-          </p:cNvPicPr>
-          <p:nvPr/>
-        </p:nvPicPr>
-        <p:blipFill>
-          <a:blip r:embed="rId4"/>
-          <a:stretch>
-            <a:fillRect/>
-          </a:stretch>
-        </p:blipFill>
-        <p:spPr>
-          <a:xfrm>
-            <a:off x="3590278" y="1490030"/>
-            <a:ext cx="5011442" cy="4755080"/>
-          </a:xfrm>
-          <a:prstGeom prst="rect">
-            <a:avLst/>
-          </a:prstGeom>
-        </p:spPr>
-      </p:pic>
       <p:grpSp>
         <p:nvGrpSpPr>
           <p:cNvPr id="22" name="Agrupar 21">
@@ -4184,6 +4156,36 @@
           </p:txBody>
         </p:sp>
       </p:grpSp>
+      <p:pic>
+        <p:nvPicPr>
+          <p:cNvPr id="5" name="Imagem 4">
+            <a:extLst>
+              <a:ext uri="{FF2B5EF4-FFF2-40B4-BE49-F238E27FC236}">
+                <a16:creationId xmlns:a16="http://schemas.microsoft.com/office/drawing/2014/main" id="{64E9DB33-2C52-B26E-A6E6-DB0658DD47AE}"/>
+              </a:ext>
+            </a:extLst>
+          </p:cNvPr>
+          <p:cNvPicPr>
+            <a:picLocks noChangeAspect="1"/>
+          </p:cNvPicPr>
+          <p:nvPr/>
+        </p:nvPicPr>
+        <p:blipFill>
+          <a:blip r:embed="rId4"/>
+          <a:stretch>
+            <a:fillRect/>
+          </a:stretch>
+        </p:blipFill>
+        <p:spPr>
+          <a:xfrm>
+            <a:off x="1456907" y="1336096"/>
+            <a:ext cx="9096443" cy="5107274"/>
+          </a:xfrm>
+          <a:prstGeom prst="rect">
+            <a:avLst/>
+          </a:prstGeom>
+        </p:spPr>
+      </p:pic>
     </p:spTree>
     <p:extLst>
       <p:ext uri="{BB962C8B-B14F-4D97-AF65-F5344CB8AC3E}">
@@ -4240,7 +4242,7 @@
                                           </p:stCondLst>
                                         </p:cTn>
                                         <p:tgtEl>
-                                          <p:spTgt spid="7"/>
+                                          <p:spTgt spid="5"/>
                                         </p:tgtEl>
                                         <p:attrNameLst>
                                           <p:attrName>style.visibility</p:attrName>
@@ -4254,7 +4256,7 @@
                                       <p:cBhvr>
                                         <p:cTn id="7" dur="500"/>
                                         <p:tgtEl>
-                                          <p:spTgt spid="7"/>
+                                          <p:spTgt spid="5"/>
                                         </p:tgtEl>
                                       </p:cBhvr>
                                     </p:animEffect>
@@ -4665,8 +4667,8 @@
         </p:nvSpPr>
         <p:spPr>
           <a:xfrm>
-            <a:off x="898022" y="1926343"/>
-            <a:ext cx="4101761" cy="3508653"/>
+            <a:off x="637964" y="1674673"/>
+            <a:ext cx="4101761" cy="4293483"/>
           </a:xfrm>
           <a:prstGeom prst="rect">
             <a:avLst/>
@@ -4690,7 +4692,7 @@
               <a:rPr lang="pt-BR" sz="3400" dirty="0">
                 <a:latin typeface="Bahnschrift Light SemiCondensed" panose="020B0502040204020203" pitchFamily="34" charset="0"/>
               </a:rPr>
-              <a:t>Jogos Competitivos</a:t>
+              <a:t>Contato desde cedo</a:t>
             </a:r>
           </a:p>
           <a:p>
@@ -4709,6 +4711,35 @@
             </a:r>
           </a:p>
           <a:p>
+            <a:pPr>
+              <a:lnSpc>
+                <a:spcPct val="150000"/>
+              </a:lnSpc>
+            </a:pPr>
+            <a:r>
+              <a:rPr lang="pt-BR" sz="3400">
+                <a:latin typeface="Bahnschrift Light SemiCondensed" panose="020B0502040204020203" pitchFamily="34" charset="0"/>
+              </a:rPr>
+              <a:t>- Diversão</a:t>
+            </a:r>
+            <a:endParaRPr lang="pt-BR" sz="3400" dirty="0">
+              <a:latin typeface="Bahnschrift Light SemiCondensed" panose="020B0502040204020203" pitchFamily="34" charset="0"/>
+            </a:endParaRPr>
+          </a:p>
+          <a:p>
+            <a:pPr>
+              <a:lnSpc>
+                <a:spcPct val="150000"/>
+              </a:lnSpc>
+            </a:pPr>
+            <a:r>
+              <a:rPr lang="pt-BR" sz="3400" dirty="0">
+                <a:latin typeface="Bahnschrift Light SemiCondensed" panose="020B0502040204020203" pitchFamily="34" charset="0"/>
+              </a:rPr>
+              <a:t>- Amizade</a:t>
+            </a:r>
+          </a:p>
+          <a:p>
             <a:pPr marL="285750" indent="-285750">
               <a:lnSpc>
                 <a:spcPct val="150000"/>
@@ -4720,20 +4751,7 @@
               <a:rPr lang="pt-BR" sz="3400" dirty="0">
                 <a:latin typeface="Bahnschrift Light SemiCondensed" panose="020B0502040204020203" pitchFamily="34" charset="0"/>
               </a:rPr>
-              <a:t>Diversão</a:t>
-            </a:r>
-          </a:p>
-          <a:p>
-            <a:pPr>
-              <a:lnSpc>
-                <a:spcPct val="150000"/>
-              </a:lnSpc>
-            </a:pPr>
-            <a:r>
-              <a:rPr lang="pt-BR" sz="3400" dirty="0">
-                <a:latin typeface="Bahnschrift Light SemiCondensed" panose="020B0502040204020203" pitchFamily="34" charset="0"/>
-              </a:rPr>
-              <a:t>- Amizade</a:t>
+              <a:t>Jogos Competitivos</a:t>
             </a:r>
           </a:p>
           <a:p>
@@ -4741,6 +4759,88 @@
           </a:p>
         </p:txBody>
       </p:sp>
+      <p:pic>
+        <p:nvPicPr>
+          <p:cNvPr id="6" name="Imagem 5">
+            <a:extLst>
+              <a:ext uri="{FF2B5EF4-FFF2-40B4-BE49-F238E27FC236}">
+                <a16:creationId xmlns:a16="http://schemas.microsoft.com/office/drawing/2014/main" id="{CE56255B-1FD6-24BE-8CFC-597D8105B679}"/>
+              </a:ext>
+            </a:extLst>
+          </p:cNvPr>
+          <p:cNvPicPr>
+            <a:picLocks noChangeAspect="1"/>
+          </p:cNvPicPr>
+          <p:nvPr/>
+        </p:nvPicPr>
+        <p:blipFill>
+          <a:blip r:embed="rId2">
+            <a:extLst>
+              <a:ext uri="{28A0092B-C50C-407E-A947-70E740481C1C}">
+                <a14:useLocalDpi xmlns:a14="http://schemas.microsoft.com/office/drawing/2010/main" val="0"/>
+              </a:ext>
+            </a:extLst>
+          </a:blip>
+          <a:stretch>
+            <a:fillRect/>
+          </a:stretch>
+        </p:blipFill>
+        <p:spPr>
+          <a:xfrm>
+            <a:off x="5080370" y="2086462"/>
+            <a:ext cx="5668292" cy="3188414"/>
+          </a:xfrm>
+          <a:prstGeom prst="rect">
+            <a:avLst/>
+          </a:prstGeom>
+          <a:ln>
+            <a:noFill/>
+          </a:ln>
+          <a:effectLst>
+            <a:outerShdw blurRad="292100" dist="139700" dir="2700000" algn="tl" rotWithShape="0">
+              <a:srgbClr val="333333">
+                <a:alpha val="65000"/>
+              </a:srgbClr>
+            </a:outerShdw>
+          </a:effectLst>
+        </p:spPr>
+      </p:pic>
+      <p:pic>
+        <p:nvPicPr>
+          <p:cNvPr id="7" name="Imagem 6">
+            <a:extLst>
+              <a:ext uri="{FF2B5EF4-FFF2-40B4-BE49-F238E27FC236}">
+                <a16:creationId xmlns:a16="http://schemas.microsoft.com/office/drawing/2014/main" id="{4AEF350A-07FD-E0FC-E8D3-DEC3FEB1FE4E}"/>
+              </a:ext>
+            </a:extLst>
+          </p:cNvPr>
+          <p:cNvPicPr>
+            <a:picLocks noChangeAspect="1"/>
+          </p:cNvPicPr>
+          <p:nvPr/>
+        </p:nvPicPr>
+        <p:blipFill>
+          <a:blip r:embed="rId3">
+            <a:extLst>
+              <a:ext uri="{28A0092B-C50C-407E-A947-70E740481C1C}">
+                <a14:useLocalDpi xmlns:a14="http://schemas.microsoft.com/office/drawing/2010/main" val="0"/>
+              </a:ext>
+            </a:extLst>
+          </a:blip>
+          <a:stretch>
+            <a:fillRect/>
+          </a:stretch>
+        </p:blipFill>
+        <p:spPr>
+          <a:xfrm>
+            <a:off x="222369" y="6325301"/>
+            <a:ext cx="771787" cy="434130"/>
+          </a:xfrm>
+          <a:prstGeom prst="rect">
+            <a:avLst/>
+          </a:prstGeom>
+        </p:spPr>
+      </p:pic>
     </p:spTree>
     <p:extLst>
       <p:ext uri="{BB962C8B-B14F-4D97-AF65-F5344CB8AC3E}">
@@ -4751,13 +4851,13 @@
   <p:clrMapOvr>
     <a:masterClrMapping/>
   </p:clrMapOvr>
-  <mc:AlternateContent xmlns:mc="http://schemas.openxmlformats.org/markup-compatibility/2006">
-    <mc:Choice xmlns:p14="http://schemas.microsoft.com/office/powerpoint/2010/main" Requires="p14">
+  <mc:AlternateContent xmlns:mc="http://schemas.openxmlformats.org/markup-compatibility/2006" xmlns:p14="http://schemas.microsoft.com/office/powerpoint/2010/main">
+    <mc:Choice Requires="p14">
       <p:transition spd="med" p14:dur="700">
         <p:fade/>
       </p:transition>
     </mc:Choice>
-    <mc:Fallback>
+    <mc:Fallback xmlns="">
       <p:transition spd="med">
         <p:fade/>
       </p:transition>
@@ -4801,6 +4901,463 @@
         </p:nvSpPr>
         <p:spPr>
           <a:xfrm>
+            <a:off x="428539" y="323180"/>
+            <a:ext cx="10515600" cy="1325563"/>
+          </a:xfrm>
+        </p:spPr>
+        <p:txBody>
+          <a:bodyPr>
+            <a:normAutofit/>
+          </a:bodyPr>
+          <a:lstStyle/>
+          <a:p>
+            <a:pPr algn="ctr"/>
+            <a:r>
+              <a:rPr lang="pt-BR" sz="6000" dirty="0">
+                <a:latin typeface="Cabin Condensed Medium" panose="00000606000000000000" pitchFamily="2" charset="0"/>
+              </a:rPr>
+              <a:t>Site!!!</a:t>
+            </a:r>
+          </a:p>
+        </p:txBody>
+      </p:sp>
+      <p:grpSp>
+        <p:nvGrpSpPr>
+          <p:cNvPr id="18" name="Agrupar 17">
+            <a:extLst>
+              <a:ext uri="{FF2B5EF4-FFF2-40B4-BE49-F238E27FC236}">
+                <a16:creationId xmlns:a16="http://schemas.microsoft.com/office/drawing/2014/main" id="{84365F5F-0FE1-662E-7A7D-1AA11C1DBD40}"/>
+              </a:ext>
+            </a:extLst>
+          </p:cNvPr>
+          <p:cNvGrpSpPr/>
+          <p:nvPr/>
+        </p:nvGrpSpPr>
+        <p:grpSpPr>
+          <a:xfrm>
+            <a:off x="11380367" y="0"/>
+            <a:ext cx="596213" cy="6858002"/>
+            <a:chOff x="11380367" y="0"/>
+            <a:chExt cx="596213" cy="6858002"/>
+          </a:xfrm>
+        </p:grpSpPr>
+        <p:grpSp>
+          <p:nvGrpSpPr>
+            <p:cNvPr id="19" name="Agrupar 18">
+              <a:extLst>
+                <a:ext uri="{FF2B5EF4-FFF2-40B4-BE49-F238E27FC236}">
+                  <a16:creationId xmlns:a16="http://schemas.microsoft.com/office/drawing/2014/main" id="{5D9AC328-B9E4-9B45-E975-3C664A3F2C45}"/>
+                </a:ext>
+              </a:extLst>
+            </p:cNvPr>
+            <p:cNvGrpSpPr/>
+            <p:nvPr/>
+          </p:nvGrpSpPr>
+          <p:grpSpPr>
+            <a:xfrm>
+              <a:off x="11380367" y="0"/>
+              <a:ext cx="587229" cy="6858002"/>
+              <a:chOff x="11023133" y="-1"/>
+              <a:chExt cx="771787" cy="6858002"/>
+            </a:xfrm>
+          </p:grpSpPr>
+          <p:sp>
+            <p:nvSpPr>
+              <p:cNvPr id="22" name="Retângulo 21">
+                <a:extLst>
+                  <a:ext uri="{FF2B5EF4-FFF2-40B4-BE49-F238E27FC236}">
+                    <a16:creationId xmlns:a16="http://schemas.microsoft.com/office/drawing/2014/main" id="{04189A8D-B37B-CD65-7D36-6476E4559D6F}"/>
+                  </a:ext>
+                </a:extLst>
+              </p:cNvPr>
+              <p:cNvSpPr/>
+              <p:nvPr/>
+            </p:nvSpPr>
+            <p:spPr>
+              <a:xfrm>
+                <a:off x="11023133" y="1"/>
+                <a:ext cx="771787" cy="6858000"/>
+              </a:xfrm>
+              <a:prstGeom prst="rect">
+                <a:avLst/>
+              </a:prstGeom>
+              <a:ln>
+                <a:noFill/>
+              </a:ln>
+            </p:spPr>
+            <p:style>
+              <a:lnRef idx="2">
+                <a:schemeClr val="accent2">
+                  <a:shade val="50000"/>
+                </a:schemeClr>
+              </a:lnRef>
+              <a:fillRef idx="1">
+                <a:schemeClr val="accent2"/>
+              </a:fillRef>
+              <a:effectRef idx="0">
+                <a:schemeClr val="accent2"/>
+              </a:effectRef>
+              <a:fontRef idx="minor">
+                <a:schemeClr val="lt1"/>
+              </a:fontRef>
+            </p:style>
+            <p:txBody>
+              <a:bodyPr rtlCol="0" anchor="ctr"/>
+              <a:lstStyle/>
+              <a:p>
+                <a:pPr algn="ctr"/>
+                <a:endParaRPr lang="pt-BR" dirty="0"/>
+              </a:p>
+            </p:txBody>
+          </p:sp>
+          <p:sp>
+            <p:nvSpPr>
+              <p:cNvPr id="23" name="Retângulo 22">
+                <a:extLst>
+                  <a:ext uri="{FF2B5EF4-FFF2-40B4-BE49-F238E27FC236}">
+                    <a16:creationId xmlns:a16="http://schemas.microsoft.com/office/drawing/2014/main" id="{D0CB6636-192D-397A-2336-C32358F1CCC5}"/>
+                  </a:ext>
+                </a:extLst>
+              </p:cNvPr>
+              <p:cNvSpPr/>
+              <p:nvPr/>
+            </p:nvSpPr>
+            <p:spPr>
+              <a:xfrm>
+                <a:off x="11585195" y="-1"/>
+                <a:ext cx="122337" cy="6858000"/>
+              </a:xfrm>
+              <a:prstGeom prst="rect">
+                <a:avLst/>
+              </a:prstGeom>
+              <a:solidFill>
+                <a:schemeClr val="bg1"/>
+              </a:solidFill>
+              <a:ln>
+                <a:noFill/>
+              </a:ln>
+            </p:spPr>
+            <p:style>
+              <a:lnRef idx="2">
+                <a:schemeClr val="accent2">
+                  <a:shade val="50000"/>
+                </a:schemeClr>
+              </a:lnRef>
+              <a:fillRef idx="1">
+                <a:schemeClr val="accent2"/>
+              </a:fillRef>
+              <a:effectRef idx="0">
+                <a:schemeClr val="accent2"/>
+              </a:effectRef>
+              <a:fontRef idx="minor">
+                <a:schemeClr val="lt1"/>
+              </a:fontRef>
+            </p:style>
+            <p:txBody>
+              <a:bodyPr rtlCol="0" anchor="ctr"/>
+              <a:lstStyle/>
+              <a:p>
+                <a:pPr algn="ctr"/>
+                <a:endParaRPr lang="pt-BR" dirty="0"/>
+              </a:p>
+            </p:txBody>
+          </p:sp>
+          <p:sp>
+            <p:nvSpPr>
+              <p:cNvPr id="24" name="Retângulo 23">
+                <a:extLst>
+                  <a:ext uri="{FF2B5EF4-FFF2-40B4-BE49-F238E27FC236}">
+                    <a16:creationId xmlns:a16="http://schemas.microsoft.com/office/drawing/2014/main" id="{DA208B65-8141-A879-D572-E807BE8CBF67}"/>
+                  </a:ext>
+                </a:extLst>
+              </p:cNvPr>
+              <p:cNvSpPr/>
+              <p:nvPr/>
+            </p:nvSpPr>
+            <p:spPr>
+              <a:xfrm>
+                <a:off x="11129047" y="-1"/>
+                <a:ext cx="122337" cy="6858000"/>
+              </a:xfrm>
+              <a:prstGeom prst="rect">
+                <a:avLst/>
+              </a:prstGeom>
+              <a:solidFill>
+                <a:schemeClr val="bg1"/>
+              </a:solidFill>
+              <a:ln>
+                <a:noFill/>
+              </a:ln>
+            </p:spPr>
+            <p:style>
+              <a:lnRef idx="2">
+                <a:schemeClr val="accent2">
+                  <a:shade val="50000"/>
+                </a:schemeClr>
+              </a:lnRef>
+              <a:fillRef idx="1">
+                <a:schemeClr val="accent2"/>
+              </a:fillRef>
+              <a:effectRef idx="0">
+                <a:schemeClr val="accent2"/>
+              </a:effectRef>
+              <a:fontRef idx="minor">
+                <a:schemeClr val="lt1"/>
+              </a:fontRef>
+            </p:style>
+            <p:txBody>
+              <a:bodyPr rtlCol="0" anchor="ctr"/>
+              <a:lstStyle/>
+              <a:p>
+                <a:pPr algn="ctr"/>
+                <a:endParaRPr lang="pt-BR" dirty="0"/>
+              </a:p>
+            </p:txBody>
+          </p:sp>
+        </p:grpSp>
+        <p:sp>
+          <p:nvSpPr>
+            <p:cNvPr id="20" name="Retângulo 19">
+              <a:extLst>
+                <a:ext uri="{FF2B5EF4-FFF2-40B4-BE49-F238E27FC236}">
+                  <a16:creationId xmlns:a16="http://schemas.microsoft.com/office/drawing/2014/main" id="{36D521B2-D1B4-4CA3-542F-49CD70354D20}"/>
+                </a:ext>
+              </a:extLst>
+            </p:cNvPr>
+            <p:cNvSpPr/>
+            <p:nvPr/>
+          </p:nvSpPr>
+          <p:spPr>
+            <a:xfrm>
+              <a:off x="11380367" y="0"/>
+              <a:ext cx="84458" cy="6858000"/>
+            </a:xfrm>
+            <a:prstGeom prst="rect">
+              <a:avLst/>
+            </a:prstGeom>
+            <a:solidFill>
+              <a:schemeClr val="tx1">
+                <a:lumMod val="75000"/>
+                <a:lumOff val="25000"/>
+              </a:schemeClr>
+            </a:solidFill>
+            <a:ln>
+              <a:noFill/>
+            </a:ln>
+          </p:spPr>
+          <p:style>
+            <a:lnRef idx="2">
+              <a:schemeClr val="accent3">
+                <a:shade val="50000"/>
+              </a:schemeClr>
+            </a:lnRef>
+            <a:fillRef idx="1">
+              <a:schemeClr val="accent3"/>
+            </a:fillRef>
+            <a:effectRef idx="0">
+              <a:schemeClr val="accent3"/>
+            </a:effectRef>
+            <a:fontRef idx="minor">
+              <a:schemeClr val="lt1"/>
+            </a:fontRef>
+          </p:style>
+          <p:txBody>
+            <a:bodyPr rtlCol="0" anchor="ctr"/>
+            <a:lstStyle/>
+            <a:p>
+              <a:pPr algn="ctr"/>
+              <a:endParaRPr lang="pt-BR"/>
+            </a:p>
+          </p:txBody>
+        </p:sp>
+        <p:sp>
+          <p:nvSpPr>
+            <p:cNvPr id="21" name="Retângulo 20">
+              <a:extLst>
+                <a:ext uri="{FF2B5EF4-FFF2-40B4-BE49-F238E27FC236}">
+                  <a16:creationId xmlns:a16="http://schemas.microsoft.com/office/drawing/2014/main" id="{11CF4EF8-0270-1EAF-E2E7-C3F38628F09F}"/>
+                </a:ext>
+              </a:extLst>
+            </p:cNvPr>
+            <p:cNvSpPr/>
+            <p:nvPr/>
+          </p:nvSpPr>
+          <p:spPr>
+            <a:xfrm>
+              <a:off x="11892122" y="0"/>
+              <a:ext cx="84458" cy="6858000"/>
+            </a:xfrm>
+            <a:prstGeom prst="rect">
+              <a:avLst/>
+            </a:prstGeom>
+            <a:solidFill>
+              <a:schemeClr val="tx1">
+                <a:lumMod val="75000"/>
+                <a:lumOff val="25000"/>
+              </a:schemeClr>
+            </a:solidFill>
+            <a:ln>
+              <a:noFill/>
+            </a:ln>
+          </p:spPr>
+          <p:style>
+            <a:lnRef idx="2">
+              <a:schemeClr val="accent3">
+                <a:shade val="50000"/>
+              </a:schemeClr>
+            </a:lnRef>
+            <a:fillRef idx="1">
+              <a:schemeClr val="accent3"/>
+            </a:fillRef>
+            <a:effectRef idx="0">
+              <a:schemeClr val="accent3"/>
+            </a:effectRef>
+            <a:fontRef idx="minor">
+              <a:schemeClr val="lt1"/>
+            </a:fontRef>
+          </p:style>
+          <p:txBody>
+            <a:bodyPr rtlCol="0" anchor="ctr"/>
+            <a:lstStyle/>
+            <a:p>
+              <a:pPr algn="ctr"/>
+              <a:endParaRPr lang="pt-BR"/>
+            </a:p>
+          </p:txBody>
+        </p:sp>
+      </p:grpSp>
+      <p:pic>
+        <p:nvPicPr>
+          <p:cNvPr id="7" name="Imagem 6">
+            <a:extLst>
+              <a:ext uri="{FF2B5EF4-FFF2-40B4-BE49-F238E27FC236}">
+                <a16:creationId xmlns:a16="http://schemas.microsoft.com/office/drawing/2014/main" id="{4AEF350A-07FD-E0FC-E8D3-DEC3FEB1FE4E}"/>
+              </a:ext>
+            </a:extLst>
+          </p:cNvPr>
+          <p:cNvPicPr>
+            <a:picLocks noChangeAspect="1"/>
+          </p:cNvPicPr>
+          <p:nvPr/>
+        </p:nvPicPr>
+        <p:blipFill>
+          <a:blip r:embed="rId2">
+            <a:extLst>
+              <a:ext uri="{28A0092B-C50C-407E-A947-70E740481C1C}">
+                <a14:useLocalDpi xmlns:a14="http://schemas.microsoft.com/office/drawing/2010/main" val="0"/>
+              </a:ext>
+            </a:extLst>
+          </a:blip>
+          <a:stretch>
+            <a:fillRect/>
+          </a:stretch>
+        </p:blipFill>
+        <p:spPr>
+          <a:xfrm>
+            <a:off x="222369" y="6325301"/>
+            <a:ext cx="771787" cy="434130"/>
+          </a:xfrm>
+          <a:prstGeom prst="rect">
+            <a:avLst/>
+          </a:prstGeom>
+        </p:spPr>
+      </p:pic>
+      <p:pic>
+        <p:nvPicPr>
+          <p:cNvPr id="4" name="Imagem 3">
+            <a:extLst>
+              <a:ext uri="{FF2B5EF4-FFF2-40B4-BE49-F238E27FC236}">
+                <a16:creationId xmlns:a16="http://schemas.microsoft.com/office/drawing/2014/main" id="{FCD6F172-32F6-2BDA-A596-6AA0088E43BB}"/>
+              </a:ext>
+            </a:extLst>
+          </p:cNvPr>
+          <p:cNvPicPr>
+            <a:picLocks noChangeAspect="1"/>
+          </p:cNvPicPr>
+          <p:nvPr/>
+        </p:nvPicPr>
+        <p:blipFill>
+          <a:blip r:embed="rId3">
+            <a:extLst>
+              <a:ext uri="{28A0092B-C50C-407E-A947-70E740481C1C}">
+                <a14:useLocalDpi xmlns:a14="http://schemas.microsoft.com/office/drawing/2010/main" val="0"/>
+              </a:ext>
+            </a:extLst>
+          </a:blip>
+          <a:stretch>
+            <a:fillRect/>
+          </a:stretch>
+        </p:blipFill>
+        <p:spPr>
+          <a:xfrm>
+            <a:off x="428539" y="1439182"/>
+            <a:ext cx="10740712" cy="4466668"/>
+          </a:xfrm>
+          <a:prstGeom prst="rect">
+            <a:avLst/>
+          </a:prstGeom>
+        </p:spPr>
+      </p:pic>
+    </p:spTree>
+    <p:extLst>
+      <p:ext uri="{BB962C8B-B14F-4D97-AF65-F5344CB8AC3E}">
+        <p14:creationId xmlns:p14="http://schemas.microsoft.com/office/powerpoint/2010/main" val="3547981787"/>
+      </p:ext>
+    </p:extLst>
+  </p:cSld>
+  <p:clrMapOvr>
+    <a:masterClrMapping/>
+  </p:clrMapOvr>
+  <mc:AlternateContent xmlns:mc="http://schemas.openxmlformats.org/markup-compatibility/2006" xmlns:p14="http://schemas.microsoft.com/office/powerpoint/2010/main">
+    <mc:Choice Requires="p14">
+      <p:transition spd="med" p14:dur="700">
+        <p:fade/>
+      </p:transition>
+    </mc:Choice>
+    <mc:Fallback xmlns="">
+      <p:transition spd="med">
+        <p:fade/>
+      </p:transition>
+    </mc:Fallback>
+  </mc:AlternateContent>
+</p:sld>
+</file>
+
+<file path=ppt/slides/slide5.xml><?xml version="1.0" encoding="utf-8"?>
+<p:sld xmlns:a="http://schemas.openxmlformats.org/drawingml/2006/main" xmlns:r="http://schemas.openxmlformats.org/officeDocument/2006/relationships" xmlns:p="http://schemas.openxmlformats.org/presentationml/2006/main">
+  <p:cSld>
+    <p:spTree>
+      <p:nvGrpSpPr>
+        <p:cNvPr id="1" name=""/>
+        <p:cNvGrpSpPr/>
+        <p:nvPr/>
+      </p:nvGrpSpPr>
+      <p:grpSpPr>
+        <a:xfrm>
+          <a:off x="0" y="0"/>
+          <a:ext cx="0" cy="0"/>
+          <a:chOff x="0" y="0"/>
+          <a:chExt cx="0" cy="0"/>
+        </a:xfrm>
+      </p:grpSpPr>
+      <p:sp>
+        <p:nvSpPr>
+          <p:cNvPr id="2" name="Título 1">
+            <a:extLst>
+              <a:ext uri="{FF2B5EF4-FFF2-40B4-BE49-F238E27FC236}">
+                <a16:creationId xmlns:a16="http://schemas.microsoft.com/office/drawing/2014/main" id="{664480F4-B904-89FB-A9E3-6EF6E582E990}"/>
+              </a:ext>
+            </a:extLst>
+          </p:cNvPr>
+          <p:cNvSpPr>
+            <a:spLocks noGrp="1"/>
+          </p:cNvSpPr>
+          <p:nvPr>
+            <p:ph type="title"/>
+          </p:nvPr>
+        </p:nvSpPr>
+        <p:spPr>
+          <a:xfrm>
             <a:off x="705726" y="243791"/>
             <a:ext cx="10515600" cy="1325563"/>
           </a:xfrm>
@@ -4834,7 +5391,7 @@
         </p:nvSpPr>
         <p:spPr>
           <a:xfrm>
-            <a:off x="1687494" y="1661633"/>
+            <a:off x="996162" y="1466275"/>
             <a:ext cx="4101761" cy="2723823"/>
           </a:xfrm>
           <a:prstGeom prst="rect">
@@ -5220,7 +5777,7 @@
         </p:nvSpPr>
         <p:spPr>
           <a:xfrm>
-            <a:off x="6485797" y="1661633"/>
+            <a:off x="1056115" y="3877556"/>
             <a:ext cx="3150881" cy="2365712"/>
           </a:xfrm>
           <a:prstGeom prst="rect">
@@ -5274,6 +5831,89 @@
           </a:p>
         </p:txBody>
       </p:sp>
+      <p:pic>
+        <p:nvPicPr>
+          <p:cNvPr id="1028" name="Picture 4" descr="Introdução teórica a Neural Network — Deep Learning — Parte 2 | by Arthur  Lamblet Vaz | Data Hackers | Medium">
+            <a:extLst>
+              <a:ext uri="{FF2B5EF4-FFF2-40B4-BE49-F238E27FC236}">
+                <a16:creationId xmlns:a16="http://schemas.microsoft.com/office/drawing/2014/main" id="{A845E933-FCB9-A03A-05DB-CCFC3C1EFAF7}"/>
+              </a:ext>
+            </a:extLst>
+          </p:cNvPr>
+          <p:cNvPicPr>
+            <a:picLocks noChangeAspect="1" noChangeArrowheads="1"/>
+          </p:cNvPicPr>
+          <p:nvPr/>
+        </p:nvPicPr>
+        <p:blipFill>
+          <a:blip r:embed="rId2">
+            <a:extLst>
+              <a:ext uri="{28A0092B-C50C-407E-A947-70E740481C1C}">
+                <a14:useLocalDpi xmlns:a14="http://schemas.microsoft.com/office/drawing/2010/main" val="0"/>
+              </a:ext>
+            </a:extLst>
+          </a:blip>
+          <a:srcRect/>
+          <a:stretch>
+            <a:fillRect/>
+          </a:stretch>
+        </p:blipFill>
+        <p:spPr bwMode="auto">
+          <a:xfrm>
+            <a:off x="4791625" y="2172696"/>
+            <a:ext cx="5208785" cy="3219029"/>
+          </a:xfrm>
+          <a:prstGeom prst="rect">
+            <a:avLst/>
+          </a:prstGeom>
+          <a:noFill/>
+          <a:extLst>
+            <a:ext uri="{909E8E84-426E-40DD-AFC4-6F175D3DCCD1}">
+              <a14:hiddenFill xmlns:a14="http://schemas.microsoft.com/office/drawing/2010/main">
+                <a:solidFill>
+                  <a:srgbClr val="FFFFFF"/>
+                </a:solidFill>
+              </a14:hiddenFill>
+            </a:ext>
+          </a:extLst>
+        </p:spPr>
+      </p:pic>
+      <p:pic>
+        <p:nvPicPr>
+          <p:cNvPr id="3" name="Imagem 2">
+            <a:extLst>
+              <a:ext uri="{FF2B5EF4-FFF2-40B4-BE49-F238E27FC236}">
+                <a16:creationId xmlns:a16="http://schemas.microsoft.com/office/drawing/2014/main" id="{F4C5183D-09BA-006D-18A8-F408FB8C9432}"/>
+              </a:ext>
+            </a:extLst>
+          </p:cNvPr>
+          <p:cNvPicPr>
+            <a:picLocks noChangeAspect="1"/>
+          </p:cNvPicPr>
+          <p:nvPr/>
+        </p:nvPicPr>
+        <p:blipFill>
+          <a:blip r:embed="rId3">
+            <a:extLst>
+              <a:ext uri="{28A0092B-C50C-407E-A947-70E740481C1C}">
+                <a14:useLocalDpi xmlns:a14="http://schemas.microsoft.com/office/drawing/2010/main" val="0"/>
+              </a:ext>
+            </a:extLst>
+          </a:blip>
+          <a:stretch>
+            <a:fillRect/>
+          </a:stretch>
+        </p:blipFill>
+        <p:spPr>
+          <a:xfrm>
+            <a:off x="222369" y="6325301"/>
+            <a:ext cx="771787" cy="434130"/>
+          </a:xfrm>
+          <a:prstGeom prst="rect">
+            <a:avLst/>
+          </a:prstGeom>
+        </p:spPr>
+      </p:pic>
     </p:spTree>
     <p:extLst>
       <p:ext uri="{BB962C8B-B14F-4D97-AF65-F5344CB8AC3E}">
@@ -5284,13 +5924,13 @@
   <p:clrMapOvr>
     <a:masterClrMapping/>
   </p:clrMapOvr>
-  <mc:AlternateContent xmlns:mc="http://schemas.openxmlformats.org/markup-compatibility/2006">
-    <mc:Choice xmlns:p14="http://schemas.microsoft.com/office/powerpoint/2010/main" Requires="p14">
+  <mc:AlternateContent xmlns:mc="http://schemas.openxmlformats.org/markup-compatibility/2006" xmlns:p14="http://schemas.microsoft.com/office/powerpoint/2010/main">
+    <mc:Choice Requires="p14">
       <p:transition spd="med" p14:dur="700">
         <p:fade/>
       </p:transition>
     </mc:Choice>
-    <mc:Fallback>
+    <mc:Fallback xmlns="">
       <p:transition spd="med">
         <p:fade/>
       </p:transition>
@@ -5299,7 +5939,7 @@
 </p:sld>
 </file>
 
-<file path=ppt/slides/slide5.xml><?xml version="1.0" encoding="utf-8"?>
+<file path=ppt/slides/slide6.xml><?xml version="1.0" encoding="utf-8"?>
 <p:sld xmlns:a="http://schemas.openxmlformats.org/drawingml/2006/main" xmlns:r="http://schemas.openxmlformats.org/officeDocument/2006/relationships" xmlns:p="http://schemas.openxmlformats.org/presentationml/2006/main">
   <p:cSld>
     <p:spTree>
@@ -5563,7 +6203,7 @@
         </p:nvGrpSpPr>
         <p:grpSpPr>
           <a:xfrm>
-            <a:off x="11375875" y="-91637"/>
+            <a:off x="11375875" y="642"/>
             <a:ext cx="596213" cy="6858002"/>
             <a:chOff x="11380367" y="0"/>
             <a:chExt cx="596213" cy="6858002"/>
@@ -5864,13 +6504,13 @@
   <p:clrMapOvr>
     <a:masterClrMapping/>
   </p:clrMapOvr>
-  <mc:AlternateContent xmlns:mc="http://schemas.openxmlformats.org/markup-compatibility/2006">
-    <mc:Choice xmlns:p14="http://schemas.microsoft.com/office/powerpoint/2010/main" Requires="p14">
+  <mc:AlternateContent xmlns:mc="http://schemas.openxmlformats.org/markup-compatibility/2006" xmlns:p14="http://schemas.microsoft.com/office/powerpoint/2010/main">
+    <mc:Choice Requires="p14">
       <p:transition spd="med" p14:dur="700">
         <p:fade/>
       </p:transition>
     </mc:Choice>
-    <mc:Fallback>
+    <mc:Fallback xmlns="">
       <p:transition spd="med">
         <p:fade/>
       </p:transition>
@@ -5879,7 +6519,7 @@
 </p:sld>
 </file>
 
-<file path=ppt/slides/slide6.xml><?xml version="1.0" encoding="utf-8"?>
+<file path=ppt/slides/slide7.xml><?xml version="1.0" encoding="utf-8"?>
 <p:sld xmlns:a="http://schemas.openxmlformats.org/drawingml/2006/main" xmlns:r="http://schemas.openxmlformats.org/officeDocument/2006/relationships" xmlns:p="http://schemas.openxmlformats.org/presentationml/2006/main">
   <p:cSld>
     <p:spTree>
@@ -5958,8 +6598,8 @@
         </p:blipFill>
         <p:spPr bwMode="auto">
           <a:xfrm>
-            <a:off x="9392185" y="5612235"/>
-            <a:ext cx="2636612" cy="1144290"/>
+            <a:off x="8974505" y="5430962"/>
+            <a:ext cx="3054292" cy="1325563"/>
           </a:xfrm>
           <a:prstGeom prst="rect">
             <a:avLst/>
@@ -6015,7 +6655,7 @@
               <a:rPr lang="pt-BR" sz="3600" dirty="0">
                 <a:latin typeface="Bahnschrift Light SemiCondensed" panose="020B0502040204020203" pitchFamily="34" charset="0"/>
               </a:rPr>
-              <a:t>Meus Pai e minha Mãe.</a:t>
+              <a:t>Meu Pai e minha Mãe.</a:t>
             </a:r>
           </a:p>
           <a:p>
@@ -6379,6 +7019,42 @@
           </p:txBody>
         </p:sp>
       </p:grpSp>
+      <p:pic>
+        <p:nvPicPr>
+          <p:cNvPr id="3" name="Imagem 2">
+            <a:extLst>
+              <a:ext uri="{FF2B5EF4-FFF2-40B4-BE49-F238E27FC236}">
+                <a16:creationId xmlns:a16="http://schemas.microsoft.com/office/drawing/2014/main" id="{5CDF8FA3-EE18-10D1-D58F-D1CBDEC3E503}"/>
+              </a:ext>
+            </a:extLst>
+          </p:cNvPr>
+          <p:cNvPicPr>
+            <a:picLocks noChangeAspect="1"/>
+          </p:cNvPicPr>
+          <p:nvPr/>
+        </p:nvPicPr>
+        <p:blipFill>
+          <a:blip r:embed="rId3">
+            <a:extLst>
+              <a:ext uri="{28A0092B-C50C-407E-A947-70E740481C1C}">
+                <a14:useLocalDpi xmlns:a14="http://schemas.microsoft.com/office/drawing/2010/main" val="0"/>
+              </a:ext>
+            </a:extLst>
+          </a:blip>
+          <a:stretch>
+            <a:fillRect/>
+          </a:stretch>
+        </p:blipFill>
+        <p:spPr>
+          <a:xfrm>
+            <a:off x="222369" y="6325301"/>
+            <a:ext cx="771787" cy="434130"/>
+          </a:xfrm>
+          <a:prstGeom prst="rect">
+            <a:avLst/>
+          </a:prstGeom>
+        </p:spPr>
+      </p:pic>
     </p:spTree>
     <p:extLst>
       <p:ext uri="{BB962C8B-B14F-4D97-AF65-F5344CB8AC3E}">
@@ -6389,18 +7065,633 @@
   <p:clrMapOvr>
     <a:masterClrMapping/>
   </p:clrMapOvr>
-  <mc:AlternateContent xmlns:mc="http://schemas.openxmlformats.org/markup-compatibility/2006">
-    <mc:Choice xmlns:p159="http://schemas.microsoft.com/office/powerpoint/2015/09/main" Requires="p159">
+  <mc:AlternateContent xmlns:mc="http://schemas.openxmlformats.org/markup-compatibility/2006" xmlns:p159="http://schemas.microsoft.com/office/powerpoint/2015/09/main">
+    <mc:Choice Requires="p159">
       <p:transition xmlns:p14="http://schemas.microsoft.com/office/powerpoint/2010/main" spd="slow" p14:dur="1250">
         <p159:morph option="byObject"/>
       </p:transition>
     </mc:Choice>
-    <mc:Fallback>
+    <mc:Fallback xmlns="">
       <p:transition spd="slow">
         <p:fade/>
       </p:transition>
     </mc:Fallback>
   </mc:AlternateContent>
+</p:sld>
+</file>
+
+<file path=ppt/slides/slide8.xml><?xml version="1.0" encoding="utf-8"?>
+<p:sld xmlns:a="http://schemas.openxmlformats.org/drawingml/2006/main" xmlns:r="http://schemas.openxmlformats.org/officeDocument/2006/relationships" xmlns:p="http://schemas.openxmlformats.org/presentationml/2006/main">
+  <p:cSld>
+    <p:spTree>
+      <p:nvGrpSpPr>
+        <p:cNvPr id="1" name=""/>
+        <p:cNvGrpSpPr/>
+        <p:nvPr/>
+      </p:nvGrpSpPr>
+      <p:grpSpPr>
+        <a:xfrm>
+          <a:off x="0" y="0"/>
+          <a:ext cx="0" cy="0"/>
+          <a:chOff x="0" y="0"/>
+          <a:chExt cx="0" cy="0"/>
+        </a:xfrm>
+      </p:grpSpPr>
+      <p:sp>
+        <p:nvSpPr>
+          <p:cNvPr id="2" name="Título 1">
+            <a:extLst>
+              <a:ext uri="{FF2B5EF4-FFF2-40B4-BE49-F238E27FC236}">
+                <a16:creationId xmlns:a16="http://schemas.microsoft.com/office/drawing/2014/main" id="{7BF0587F-AA99-E39A-182A-7D34482E365D}"/>
+              </a:ext>
+            </a:extLst>
+          </p:cNvPr>
+          <p:cNvSpPr>
+            <a:spLocks noGrp="1"/>
+          </p:cNvSpPr>
+          <p:nvPr>
+            <p:ph type="title"/>
+          </p:nvPr>
+        </p:nvSpPr>
+        <p:spPr/>
+        <p:txBody>
+          <a:bodyPr>
+            <a:normAutofit/>
+          </a:bodyPr>
+          <a:lstStyle/>
+          <a:p>
+            <a:pPr algn="ctr"/>
+            <a:r>
+              <a:rPr lang="pt-BR" sz="5400" dirty="0">
+                <a:latin typeface="Cabin Condensed Medium" panose="00000606000000000000" pitchFamily="2" charset="0"/>
+              </a:rPr>
+              <a:t>Conclusão</a:t>
+            </a:r>
+          </a:p>
+        </p:txBody>
+      </p:sp>
+      <p:grpSp>
+        <p:nvGrpSpPr>
+          <p:cNvPr id="10" name="Agrupar 9">
+            <a:extLst>
+              <a:ext uri="{FF2B5EF4-FFF2-40B4-BE49-F238E27FC236}">
+                <a16:creationId xmlns:a16="http://schemas.microsoft.com/office/drawing/2014/main" id="{8B7689F8-D0CC-DC2D-4560-1F58B78FBEF4}"/>
+              </a:ext>
+            </a:extLst>
+          </p:cNvPr>
+          <p:cNvGrpSpPr/>
+          <p:nvPr/>
+        </p:nvGrpSpPr>
+        <p:grpSpPr>
+          <a:xfrm rot="1143245">
+            <a:off x="-298107" y="-583070"/>
+            <a:ext cx="596213" cy="6858002"/>
+            <a:chOff x="11380367" y="0"/>
+            <a:chExt cx="596213" cy="6858002"/>
+          </a:xfrm>
+        </p:grpSpPr>
+        <p:grpSp>
+          <p:nvGrpSpPr>
+            <p:cNvPr id="11" name="Agrupar 10">
+              <a:extLst>
+                <a:ext uri="{FF2B5EF4-FFF2-40B4-BE49-F238E27FC236}">
+                  <a16:creationId xmlns:a16="http://schemas.microsoft.com/office/drawing/2014/main" id="{7B736813-8D3B-9943-24D5-6017DDAA21A8}"/>
+                </a:ext>
+              </a:extLst>
+            </p:cNvPr>
+            <p:cNvGrpSpPr/>
+            <p:nvPr/>
+          </p:nvGrpSpPr>
+          <p:grpSpPr>
+            <a:xfrm>
+              <a:off x="11380367" y="0"/>
+              <a:ext cx="587229" cy="6858002"/>
+              <a:chOff x="11023133" y="-1"/>
+              <a:chExt cx="771787" cy="6858002"/>
+            </a:xfrm>
+          </p:grpSpPr>
+          <p:sp>
+            <p:nvSpPr>
+              <p:cNvPr id="14" name="Retângulo 13">
+                <a:extLst>
+                  <a:ext uri="{FF2B5EF4-FFF2-40B4-BE49-F238E27FC236}">
+                    <a16:creationId xmlns:a16="http://schemas.microsoft.com/office/drawing/2014/main" id="{6CEEECB9-B1B0-40F1-C1B6-B1E7DB693D9C}"/>
+                  </a:ext>
+                </a:extLst>
+              </p:cNvPr>
+              <p:cNvSpPr/>
+              <p:nvPr/>
+            </p:nvSpPr>
+            <p:spPr>
+              <a:xfrm>
+                <a:off x="11023133" y="1"/>
+                <a:ext cx="771787" cy="6858000"/>
+              </a:xfrm>
+              <a:prstGeom prst="rect">
+                <a:avLst/>
+              </a:prstGeom>
+              <a:ln>
+                <a:noFill/>
+              </a:ln>
+            </p:spPr>
+            <p:style>
+              <a:lnRef idx="2">
+                <a:schemeClr val="accent2">
+                  <a:shade val="50000"/>
+                </a:schemeClr>
+              </a:lnRef>
+              <a:fillRef idx="1">
+                <a:schemeClr val="accent2"/>
+              </a:fillRef>
+              <a:effectRef idx="0">
+                <a:schemeClr val="accent2"/>
+              </a:effectRef>
+              <a:fontRef idx="minor">
+                <a:schemeClr val="lt1"/>
+              </a:fontRef>
+            </p:style>
+            <p:txBody>
+              <a:bodyPr rtlCol="0" anchor="ctr"/>
+              <a:lstStyle/>
+              <a:p>
+                <a:pPr algn="ctr"/>
+                <a:endParaRPr lang="pt-BR" dirty="0"/>
+              </a:p>
+            </p:txBody>
+          </p:sp>
+          <p:sp>
+            <p:nvSpPr>
+              <p:cNvPr id="15" name="Retângulo 14">
+                <a:extLst>
+                  <a:ext uri="{FF2B5EF4-FFF2-40B4-BE49-F238E27FC236}">
+                    <a16:creationId xmlns:a16="http://schemas.microsoft.com/office/drawing/2014/main" id="{78C0DC74-B1BB-CC28-6319-728E79562BBD}"/>
+                  </a:ext>
+                </a:extLst>
+              </p:cNvPr>
+              <p:cNvSpPr/>
+              <p:nvPr/>
+            </p:nvSpPr>
+            <p:spPr>
+              <a:xfrm>
+                <a:off x="11585195" y="-1"/>
+                <a:ext cx="122337" cy="6858000"/>
+              </a:xfrm>
+              <a:prstGeom prst="rect">
+                <a:avLst/>
+              </a:prstGeom>
+              <a:solidFill>
+                <a:schemeClr val="bg1"/>
+              </a:solidFill>
+              <a:ln>
+                <a:noFill/>
+              </a:ln>
+            </p:spPr>
+            <p:style>
+              <a:lnRef idx="2">
+                <a:schemeClr val="accent2">
+                  <a:shade val="50000"/>
+                </a:schemeClr>
+              </a:lnRef>
+              <a:fillRef idx="1">
+                <a:schemeClr val="accent2"/>
+              </a:fillRef>
+              <a:effectRef idx="0">
+                <a:schemeClr val="accent2"/>
+              </a:effectRef>
+              <a:fontRef idx="minor">
+                <a:schemeClr val="lt1"/>
+              </a:fontRef>
+            </p:style>
+            <p:txBody>
+              <a:bodyPr rtlCol="0" anchor="ctr"/>
+              <a:lstStyle/>
+              <a:p>
+                <a:pPr algn="ctr"/>
+                <a:endParaRPr lang="pt-BR" dirty="0"/>
+              </a:p>
+            </p:txBody>
+          </p:sp>
+          <p:sp>
+            <p:nvSpPr>
+              <p:cNvPr id="16" name="Retângulo 15">
+                <a:extLst>
+                  <a:ext uri="{FF2B5EF4-FFF2-40B4-BE49-F238E27FC236}">
+                    <a16:creationId xmlns:a16="http://schemas.microsoft.com/office/drawing/2014/main" id="{52AF0C8B-B797-D850-0A86-E2D3285DB2A2}"/>
+                  </a:ext>
+                </a:extLst>
+              </p:cNvPr>
+              <p:cNvSpPr/>
+              <p:nvPr/>
+            </p:nvSpPr>
+            <p:spPr>
+              <a:xfrm>
+                <a:off x="11129047" y="-1"/>
+                <a:ext cx="122337" cy="6858000"/>
+              </a:xfrm>
+              <a:prstGeom prst="rect">
+                <a:avLst/>
+              </a:prstGeom>
+              <a:solidFill>
+                <a:schemeClr val="bg1"/>
+              </a:solidFill>
+              <a:ln>
+                <a:noFill/>
+              </a:ln>
+            </p:spPr>
+            <p:style>
+              <a:lnRef idx="2">
+                <a:schemeClr val="accent2">
+                  <a:shade val="50000"/>
+                </a:schemeClr>
+              </a:lnRef>
+              <a:fillRef idx="1">
+                <a:schemeClr val="accent2"/>
+              </a:fillRef>
+              <a:effectRef idx="0">
+                <a:schemeClr val="accent2"/>
+              </a:effectRef>
+              <a:fontRef idx="minor">
+                <a:schemeClr val="lt1"/>
+              </a:fontRef>
+            </p:style>
+            <p:txBody>
+              <a:bodyPr rtlCol="0" anchor="ctr"/>
+              <a:lstStyle/>
+              <a:p>
+                <a:pPr algn="ctr"/>
+                <a:endParaRPr lang="pt-BR" dirty="0"/>
+              </a:p>
+            </p:txBody>
+          </p:sp>
+        </p:grpSp>
+        <p:sp>
+          <p:nvSpPr>
+            <p:cNvPr id="12" name="Retângulo 11">
+              <a:extLst>
+                <a:ext uri="{FF2B5EF4-FFF2-40B4-BE49-F238E27FC236}">
+                  <a16:creationId xmlns:a16="http://schemas.microsoft.com/office/drawing/2014/main" id="{34CBB1EA-721E-CCBA-09C7-94FA3DF7D58F}"/>
+                </a:ext>
+              </a:extLst>
+            </p:cNvPr>
+            <p:cNvSpPr/>
+            <p:nvPr/>
+          </p:nvSpPr>
+          <p:spPr>
+            <a:xfrm>
+              <a:off x="11380367" y="0"/>
+              <a:ext cx="84458" cy="6858000"/>
+            </a:xfrm>
+            <a:prstGeom prst="rect">
+              <a:avLst/>
+            </a:prstGeom>
+            <a:solidFill>
+              <a:schemeClr val="tx1">
+                <a:lumMod val="75000"/>
+                <a:lumOff val="25000"/>
+              </a:schemeClr>
+            </a:solidFill>
+            <a:ln>
+              <a:noFill/>
+            </a:ln>
+          </p:spPr>
+          <p:style>
+            <a:lnRef idx="2">
+              <a:schemeClr val="accent3">
+                <a:shade val="50000"/>
+              </a:schemeClr>
+            </a:lnRef>
+            <a:fillRef idx="1">
+              <a:schemeClr val="accent3"/>
+            </a:fillRef>
+            <a:effectRef idx="0">
+              <a:schemeClr val="accent3"/>
+            </a:effectRef>
+            <a:fontRef idx="minor">
+              <a:schemeClr val="lt1"/>
+            </a:fontRef>
+          </p:style>
+          <p:txBody>
+            <a:bodyPr rtlCol="0" anchor="ctr"/>
+            <a:lstStyle/>
+            <a:p>
+              <a:pPr algn="ctr"/>
+              <a:endParaRPr lang="pt-BR"/>
+            </a:p>
+          </p:txBody>
+        </p:sp>
+        <p:sp>
+          <p:nvSpPr>
+            <p:cNvPr id="13" name="Retângulo 12">
+              <a:extLst>
+                <a:ext uri="{FF2B5EF4-FFF2-40B4-BE49-F238E27FC236}">
+                  <a16:creationId xmlns:a16="http://schemas.microsoft.com/office/drawing/2014/main" id="{B9F3147F-9C84-59D5-7E75-EF1532574E42}"/>
+                </a:ext>
+              </a:extLst>
+            </p:cNvPr>
+            <p:cNvSpPr/>
+            <p:nvPr/>
+          </p:nvSpPr>
+          <p:spPr>
+            <a:xfrm>
+              <a:off x="11892122" y="0"/>
+              <a:ext cx="84458" cy="6858000"/>
+            </a:xfrm>
+            <a:prstGeom prst="rect">
+              <a:avLst/>
+            </a:prstGeom>
+            <a:solidFill>
+              <a:schemeClr val="tx1">
+                <a:lumMod val="75000"/>
+                <a:lumOff val="25000"/>
+              </a:schemeClr>
+            </a:solidFill>
+            <a:ln>
+              <a:noFill/>
+            </a:ln>
+          </p:spPr>
+          <p:style>
+            <a:lnRef idx="2">
+              <a:schemeClr val="accent3">
+                <a:shade val="50000"/>
+              </a:schemeClr>
+            </a:lnRef>
+            <a:fillRef idx="1">
+              <a:schemeClr val="accent3"/>
+            </a:fillRef>
+            <a:effectRef idx="0">
+              <a:schemeClr val="accent3"/>
+            </a:effectRef>
+            <a:fontRef idx="minor">
+              <a:schemeClr val="lt1"/>
+            </a:fontRef>
+          </p:style>
+          <p:txBody>
+            <a:bodyPr rtlCol="0" anchor="ctr"/>
+            <a:lstStyle/>
+            <a:p>
+              <a:pPr algn="ctr"/>
+              <a:endParaRPr lang="pt-BR"/>
+            </a:p>
+          </p:txBody>
+        </p:sp>
+      </p:grpSp>
+      <p:pic>
+        <p:nvPicPr>
+          <p:cNvPr id="5" name="Imagem 4">
+            <a:extLst>
+              <a:ext uri="{FF2B5EF4-FFF2-40B4-BE49-F238E27FC236}">
+                <a16:creationId xmlns:a16="http://schemas.microsoft.com/office/drawing/2014/main" id="{03A4EED3-7977-D148-C296-DB21C9DA4DA3}"/>
+              </a:ext>
+            </a:extLst>
+          </p:cNvPr>
+          <p:cNvPicPr>
+            <a:picLocks noChangeAspect="1"/>
+          </p:cNvPicPr>
+          <p:nvPr/>
+        </p:nvPicPr>
+        <p:blipFill rotWithShape="1">
+          <a:blip r:embed="rId2">
+            <a:extLst>
+              <a:ext uri="{28A0092B-C50C-407E-A947-70E740481C1C}">
+                <a14:useLocalDpi xmlns:a14="http://schemas.microsoft.com/office/drawing/2010/main" val="0"/>
+              </a:ext>
+            </a:extLst>
+          </a:blip>
+          <a:srcRect l="4088" t="3863" r="3374" b="28100"/>
+          <a:stretch/>
+        </p:blipFill>
+        <p:spPr>
+          <a:xfrm>
+            <a:off x="3821350" y="1817809"/>
+            <a:ext cx="4313520" cy="4228626"/>
+          </a:xfrm>
+          <a:prstGeom prst="rect">
+            <a:avLst/>
+          </a:prstGeom>
+        </p:spPr>
+      </p:pic>
+      <p:pic>
+        <p:nvPicPr>
+          <p:cNvPr id="17" name="Imagem 16">
+            <a:extLst>
+              <a:ext uri="{FF2B5EF4-FFF2-40B4-BE49-F238E27FC236}">
+                <a16:creationId xmlns:a16="http://schemas.microsoft.com/office/drawing/2014/main" id="{53D90192-777C-3CF2-5263-B61B69981CA1}"/>
+              </a:ext>
+            </a:extLst>
+          </p:cNvPr>
+          <p:cNvPicPr>
+            <a:picLocks noChangeAspect="1"/>
+          </p:cNvPicPr>
+          <p:nvPr/>
+        </p:nvPicPr>
+        <p:blipFill rotWithShape="1">
+          <a:blip r:embed="rId3">
+            <a:extLst>
+              <a:ext uri="{28A0092B-C50C-407E-A947-70E740481C1C}">
+                <a14:useLocalDpi xmlns:a14="http://schemas.microsoft.com/office/drawing/2010/main" val="0"/>
+              </a:ext>
+            </a:extLst>
+          </a:blip>
+          <a:srcRect b="4238"/>
+          <a:stretch/>
+        </p:blipFill>
+        <p:spPr>
+          <a:xfrm>
+            <a:off x="3358704" y="1544860"/>
+            <a:ext cx="5474591" cy="4796119"/>
+          </a:xfrm>
+          <a:prstGeom prst="rect">
+            <a:avLst/>
+          </a:prstGeom>
+        </p:spPr>
+      </p:pic>
+      <p:pic>
+        <p:nvPicPr>
+          <p:cNvPr id="18" name="Imagem 17">
+            <a:extLst>
+              <a:ext uri="{FF2B5EF4-FFF2-40B4-BE49-F238E27FC236}">
+                <a16:creationId xmlns:a16="http://schemas.microsoft.com/office/drawing/2014/main" id="{61EC90D4-1F6F-700B-A358-8AB9D6FE65EB}"/>
+              </a:ext>
+            </a:extLst>
+          </p:cNvPr>
+          <p:cNvPicPr>
+            <a:picLocks noChangeAspect="1"/>
+          </p:cNvPicPr>
+          <p:nvPr/>
+        </p:nvPicPr>
+        <p:blipFill>
+          <a:blip r:embed="rId4">
+            <a:extLst>
+              <a:ext uri="{28A0092B-C50C-407E-A947-70E740481C1C}">
+                <a14:useLocalDpi xmlns:a14="http://schemas.microsoft.com/office/drawing/2010/main" val="0"/>
+              </a:ext>
+            </a:extLst>
+          </a:blip>
+          <a:stretch>
+            <a:fillRect/>
+          </a:stretch>
+        </p:blipFill>
+        <p:spPr>
+          <a:xfrm>
+            <a:off x="222369" y="6325301"/>
+            <a:ext cx="771787" cy="434130"/>
+          </a:xfrm>
+          <a:prstGeom prst="rect">
+            <a:avLst/>
+          </a:prstGeom>
+        </p:spPr>
+      </p:pic>
+    </p:spTree>
+    <p:extLst>
+      <p:ext uri="{BB962C8B-B14F-4D97-AF65-F5344CB8AC3E}">
+        <p14:creationId xmlns:p14="http://schemas.microsoft.com/office/powerpoint/2010/main" val="2953295081"/>
+      </p:ext>
+    </p:extLst>
+  </p:cSld>
+  <p:clrMapOvr>
+    <a:masterClrMapping/>
+  </p:clrMapOvr>
+  <mc:AlternateContent xmlns:mc="http://schemas.openxmlformats.org/markup-compatibility/2006" xmlns:p159="http://schemas.microsoft.com/office/powerpoint/2015/09/main">
+    <mc:Choice Requires="p159">
+      <p:transition xmlns:p14="http://schemas.microsoft.com/office/powerpoint/2010/main" spd="slow" p14:dur="1250">
+        <p159:morph option="byObject"/>
+      </p:transition>
+    </mc:Choice>
+    <mc:Fallback xmlns="">
+      <p:transition spd="slow">
+        <p:fade/>
+      </p:transition>
+    </mc:Fallback>
+  </mc:AlternateContent>
+  <p:timing>
+    <p:tnLst>
+      <p:par>
+        <p:cTn id="1" dur="indefinite" restart="never" nodeType="tmRoot">
+          <p:childTnLst>
+            <p:seq concurrent="1" nextAc="seek">
+              <p:cTn id="2" dur="indefinite" nodeType="mainSeq">
+                <p:childTnLst>
+                  <p:par>
+                    <p:cTn id="3" fill="hold">
+                      <p:stCondLst>
+                        <p:cond delay="indefinite"/>
+                      </p:stCondLst>
+                      <p:childTnLst>
+                        <p:par>
+                          <p:cTn id="4" fill="hold">
+                            <p:stCondLst>
+                              <p:cond delay="0"/>
+                            </p:stCondLst>
+                            <p:childTnLst>
+                              <p:par>
+                                <p:cTn id="5" presetID="45" presetClass="entr" presetSubtype="0" fill="hold" nodeType="clickEffect">
+                                  <p:stCondLst>
+                                    <p:cond delay="0"/>
+                                  </p:stCondLst>
+                                  <p:childTnLst>
+                                    <p:set>
+                                      <p:cBhvr>
+                                        <p:cTn id="6" dur="1" fill="hold">
+                                          <p:stCondLst>
+                                            <p:cond delay="0"/>
+                                          </p:stCondLst>
+                                        </p:cTn>
+                                        <p:tgtEl>
+                                          <p:spTgt spid="17"/>
+                                        </p:tgtEl>
+                                        <p:attrNameLst>
+                                          <p:attrName>style.visibility</p:attrName>
+                                        </p:attrNameLst>
+                                      </p:cBhvr>
+                                      <p:to>
+                                        <p:strVal val="visible"/>
+                                      </p:to>
+                                    </p:set>
+                                    <p:animEffect transition="in" filter="fade">
+                                      <p:cBhvr>
+                                        <p:cTn id="7" dur="1000"/>
+                                        <p:tgtEl>
+                                          <p:spTgt spid="17"/>
+                                        </p:tgtEl>
+                                      </p:cBhvr>
+                                    </p:animEffect>
+                                    <p:anim calcmode="lin" valueType="num">
+                                      <p:cBhvr>
+                                        <p:cTn id="8" dur="1000" fill="hold"/>
+                                        <p:tgtEl>
+                                          <p:spTgt spid="17"/>
+                                        </p:tgtEl>
+                                        <p:attrNameLst>
+                                          <p:attrName>ppt_w</p:attrName>
+                                        </p:attrNameLst>
+                                      </p:cBhvr>
+                                      <p:tavLst>
+                                        <p:tav tm="0" fmla="#ppt_w*sin(2.5*pi*$)">
+                                          <p:val>
+                                            <p:fltVal val="0"/>
+                                          </p:val>
+                                        </p:tav>
+                                        <p:tav tm="100000">
+                                          <p:val>
+                                            <p:fltVal val="1"/>
+                                          </p:val>
+                                        </p:tav>
+                                      </p:tavLst>
+                                    </p:anim>
+                                    <p:anim calcmode="lin" valueType="num">
+                                      <p:cBhvr>
+                                        <p:cTn id="9" dur="1000" fill="hold"/>
+                                        <p:tgtEl>
+                                          <p:spTgt spid="17"/>
+                                        </p:tgtEl>
+                                        <p:attrNameLst>
+                                          <p:attrName>ppt_h</p:attrName>
+                                        </p:attrNameLst>
+                                      </p:cBhvr>
+                                      <p:tavLst>
+                                        <p:tav tm="0">
+                                          <p:val>
+                                            <p:strVal val="#ppt_h"/>
+                                          </p:val>
+                                        </p:tav>
+                                        <p:tav tm="100000">
+                                          <p:val>
+                                            <p:strVal val="#ppt_h"/>
+                                          </p:val>
+                                        </p:tav>
+                                      </p:tavLst>
+                                    </p:anim>
+                                  </p:childTnLst>
+                                </p:cTn>
+                              </p:par>
+                            </p:childTnLst>
+                          </p:cTn>
+                        </p:par>
+                      </p:childTnLst>
+                    </p:cTn>
+                  </p:par>
+                </p:childTnLst>
+              </p:cTn>
+              <p:prevCondLst>
+                <p:cond evt="onPrev" delay="0">
+                  <p:tgtEl>
+                    <p:sldTgt/>
+                  </p:tgtEl>
+                </p:cond>
+              </p:prevCondLst>
+              <p:nextCondLst>
+                <p:cond evt="onNext" delay="0">
+                  <p:tgtEl>
+                    <p:sldTgt/>
+                  </p:tgtEl>
+                </p:cond>
+              </p:nextCondLst>
+            </p:seq>
+          </p:childTnLst>
+        </p:cTn>
+      </p:par>
+    </p:tnLst>
+  </p:timing>
 </p:sld>
 </file>
 
